--- a/sample_MA.pptx
+++ b/sample_MA.pptx
@@ -320,7 +320,7 @@
               <a:pPr>
                 <a:defRPr/>
               </a:pPr>
-              <a:t>4/23/19</a:t>
+              <a:t>5/3/19</a:t>
             </a:fld>
             <a:endParaRPr lang="en-US" dirty="0"/>
           </a:p>
@@ -519,7 +519,7 @@
               <a:pPr>
                 <a:defRPr/>
               </a:pPr>
-              <a:t>4/23/19</a:t>
+              <a:t>5/3/19</a:t>
             </a:fld>
             <a:endParaRPr lang="en-US" dirty="0"/>
           </a:p>
@@ -842,6 +842,96 @@
     </a:lvl9pPr>
   </p:notesStyle>
 </p:notesMaster>
+</file>
+
+<file path=ppt/notesSlides/notesSlide1.xml><?xml version="1.0" encoding="utf-8"?>
+<p:notes xmlns:a="http://schemas.openxmlformats.org/drawingml/2006/main" xmlns:r="http://schemas.openxmlformats.org/officeDocument/2006/relationships" xmlns:p="http://schemas.openxmlformats.org/presentationml/2006/main">
+  <p:cSld>
+    <p:spTree>
+      <p:nvGrpSpPr>
+        <p:cNvPr id="1" name=""/>
+        <p:cNvGrpSpPr/>
+        <p:nvPr/>
+      </p:nvGrpSpPr>
+      <p:grpSpPr>
+        <a:xfrm>
+          <a:off x="0" y="0"/>
+          <a:ext cx="0" cy="0"/>
+          <a:chOff x="0" y="0"/>
+          <a:chExt cx="0" cy="0"/>
+        </a:xfrm>
+      </p:grpSpPr>
+      <p:sp>
+        <p:nvSpPr>
+          <p:cNvPr id="2" name="Slide Image Placeholder 1"/>
+          <p:cNvSpPr>
+            <a:spLocks noGrp="1" noRot="1" noChangeAspect="1"/>
+          </p:cNvSpPr>
+          <p:nvPr>
+            <p:ph type="sldImg"/>
+          </p:nvPr>
+        </p:nvSpPr>
+        <p:spPr/>
+      </p:sp>
+      <p:sp>
+        <p:nvSpPr>
+          <p:cNvPr id="3" name="Notes Placeholder 2"/>
+          <p:cNvSpPr>
+            <a:spLocks noGrp="1"/>
+          </p:cNvSpPr>
+          <p:nvPr>
+            <p:ph type="body" idx="1"/>
+          </p:nvPr>
+        </p:nvSpPr>
+        <p:spPr/>
+        <p:txBody>
+          <a:bodyPr/>
+          <a:lstStyle/>
+          <a:p>
+            <a:endParaRPr lang="en-US" dirty="0"/>
+          </a:p>
+        </p:txBody>
+      </p:sp>
+      <p:sp>
+        <p:nvSpPr>
+          <p:cNvPr id="4" name="Slide Number Placeholder 3"/>
+          <p:cNvSpPr>
+            <a:spLocks noGrp="1"/>
+          </p:cNvSpPr>
+          <p:nvPr>
+            <p:ph type="sldNum" sz="quarter" idx="5"/>
+          </p:nvPr>
+        </p:nvSpPr>
+        <p:spPr/>
+        <p:txBody>
+          <a:bodyPr/>
+          <a:lstStyle/>
+          <a:p>
+            <a:pPr>
+              <a:defRPr/>
+            </a:pPr>
+            <a:fld id="{005A3BF0-9162-4A6A-A845-C85B6C14AEDE}" type="slidenum">
+              <a:rPr lang="en-US" smtClean="0"/>
+              <a:pPr>
+                <a:defRPr/>
+              </a:pPr>
+              <a:t>1</a:t>
+            </a:fld>
+            <a:endParaRPr lang="en-US" dirty="0"/>
+          </a:p>
+        </p:txBody>
+      </p:sp>
+    </p:spTree>
+    <p:extLst>
+      <p:ext uri="{BB962C8B-B14F-4D97-AF65-F5344CB8AC3E}">
+        <p14:creationId xmlns:p14="http://schemas.microsoft.com/office/powerpoint/2010/main" val="2385082758"/>
+      </p:ext>
+    </p:extLst>
+  </p:cSld>
+  <p:clrMapOvr>
+    <a:masterClrMapping/>
+  </p:clrMapOvr>
+</p:notes>
 </file>
 
 <file path=ppt/slideLayouts/slideLayout1.xml><?xml version="1.0" encoding="utf-8"?>
@@ -4028,7 +4118,7 @@
         </p:nvSpPr>
         <p:spPr>
           <a:xfrm>
-            <a:off x="381000" y="2276049"/>
+            <a:off x="381000" y="1172769"/>
             <a:ext cx="2057400" cy="246221"/>
           </a:xfrm>
         </p:spPr>
@@ -4042,61 +4132,6 @@
               </a:tabLst>
             </a:pPr>
             <a:endParaRPr lang="en-US" dirty="0"/>
-          </a:p>
-        </p:txBody>
-      </p:sp>
-      <p:sp>
-        <p:nvSpPr>
-          <p:cNvPr id="5" name="Text Placeholder 4"/>
-          <p:cNvSpPr>
-            <a:spLocks noGrp="1"/>
-          </p:cNvSpPr>
-          <p:nvPr>
-            <p:ph type="body" sz="quarter" idx="13"/>
-          </p:nvPr>
-        </p:nvSpPr>
-        <p:spPr>
-          <a:xfrm>
-            <a:off x="381000" y="3145275"/>
-            <a:ext cx="2057400" cy="246221"/>
-          </a:xfrm>
-        </p:spPr>
-        <p:txBody>
-          <a:bodyPr/>
-          <a:lstStyle/>
-          <a:p>
-            <a:pPr>
-              <a:tabLst>
-                <a:tab pos="2062163" algn="r"/>
-              </a:tabLst>
-            </a:pPr>
-            <a:endParaRPr lang="en-US" dirty="0"/>
-          </a:p>
-        </p:txBody>
-      </p:sp>
-      <p:sp>
-        <p:nvSpPr>
-          <p:cNvPr id="9" name="Text Placeholder 8"/>
-          <p:cNvSpPr>
-            <a:spLocks noGrp="1"/>
-          </p:cNvSpPr>
-          <p:nvPr>
-            <p:ph type="body" sz="quarter" idx="17"/>
-          </p:nvPr>
-        </p:nvSpPr>
-        <p:spPr>
-          <a:xfrm>
-            <a:off x="2590800" y="3145275"/>
-            <a:ext cx="3810000" cy="246221"/>
-          </a:xfrm>
-        </p:spPr>
-        <p:txBody>
-          <a:bodyPr/>
-          <a:lstStyle/>
-          <a:p>
-            <a:endParaRPr lang="en-US" dirty="0">
-              <a:cs typeface="Arial" panose="020B0604020202020204" pitchFamily="34" charset="0"/>
-            </a:endParaRPr>
           </a:p>
         </p:txBody>
       </p:sp>
@@ -4114,30 +4149,6 @@
           <a:xfrm>
             <a:off x="6553200" y="3145275"/>
             <a:ext cx="2133600" cy="246221"/>
-          </a:xfrm>
-        </p:spPr>
-        <p:txBody>
-          <a:bodyPr/>
-          <a:lstStyle/>
-          <a:p>
-            <a:endParaRPr lang="en-US" dirty="0"/>
-          </a:p>
-        </p:txBody>
-      </p:sp>
-      <p:sp>
-        <p:nvSpPr>
-          <p:cNvPr id="6" name="Text Placeholder 5"/>
-          <p:cNvSpPr>
-            <a:spLocks noGrp="1"/>
-          </p:cNvSpPr>
-          <p:nvPr>
-            <p:ph type="body" sz="quarter" idx="14"/>
-          </p:nvPr>
-        </p:nvSpPr>
-        <p:spPr>
-          <a:xfrm>
-            <a:off x="381000" y="2014481"/>
-            <a:ext cx="2057400" cy="276999"/>
           </a:xfrm>
         </p:spPr>
         <p:txBody>
@@ -4379,7 +4390,2044 @@
           <a:bodyPr/>
           <a:lstStyle/>
           <a:p>
-            <a:endParaRPr lang="en-US"/>
+            <a:endParaRPr lang="en-US" dirty="0"/>
+          </a:p>
+        </p:txBody>
+      </p:sp>
+      <p:sp>
+        <p:nvSpPr>
+          <p:cNvPr id="3" name="Rectangle 2">
+            <a:extLst>
+              <a:ext uri="{FF2B5EF4-FFF2-40B4-BE49-F238E27FC236}">
+                <a16:creationId xmlns:a16="http://schemas.microsoft.com/office/drawing/2014/main" id="{6AC58250-6531-C147-ADA6-7910AFC5A589}"/>
+              </a:ext>
+            </a:extLst>
+          </p:cNvPr>
+          <p:cNvSpPr/>
+          <p:nvPr/>
+        </p:nvSpPr>
+        <p:spPr>
+          <a:xfrm>
+            <a:off x="2590800" y="2881288"/>
+            <a:ext cx="3810000" cy="249675"/>
+          </a:xfrm>
+          <a:prstGeom prst="rect">
+            <a:avLst/>
+          </a:prstGeom>
+          <a:solidFill>
+            <a:srgbClr val="113D63"/>
+          </a:solidFill>
+          <a:ln w="6350">
+            <a:noFill/>
+          </a:ln>
+        </p:spPr>
+        <p:style>
+          <a:lnRef idx="2">
+            <a:schemeClr val="accent1">
+              <a:shade val="50000"/>
+            </a:schemeClr>
+          </a:lnRef>
+          <a:fillRef idx="1">
+            <a:schemeClr val="accent1"/>
+          </a:fillRef>
+          <a:effectRef idx="0">
+            <a:schemeClr val="accent1"/>
+          </a:effectRef>
+          <a:fontRef idx="minor">
+            <a:schemeClr val="lt1"/>
+          </a:fontRef>
+        </p:style>
+        <p:txBody>
+          <a:bodyPr rtlCol="0" anchor="ctr"/>
+          <a:lstStyle/>
+          <a:p>
+            <a:pPr algn="ctr"/>
+            <a:r>
+              <a:rPr lang="en-US" sz="1200" dirty="0">
+                <a:latin typeface="Arial" panose="020B0604020202020204" pitchFamily="34" charset="0"/>
+                <a:cs typeface="Arial" panose="020B0604020202020204" pitchFamily="34" charset="0"/>
+              </a:rPr>
+              <a:t>Key Financial</a:t>
+            </a:r>
+          </a:p>
+        </p:txBody>
+      </p:sp>
+      <p:sp>
+        <p:nvSpPr>
+          <p:cNvPr id="13" name="Rectangle 12">
+            <a:extLst>
+              <a:ext uri="{FF2B5EF4-FFF2-40B4-BE49-F238E27FC236}">
+                <a16:creationId xmlns:a16="http://schemas.microsoft.com/office/drawing/2014/main" id="{96DCEDD9-0528-3D42-A139-E1609A2C4DBF}"/>
+              </a:ext>
+            </a:extLst>
+          </p:cNvPr>
+          <p:cNvSpPr/>
+          <p:nvPr/>
+        </p:nvSpPr>
+        <p:spPr>
+          <a:xfrm>
+            <a:off x="6553200" y="2881288"/>
+            <a:ext cx="2133600" cy="248400"/>
+          </a:xfrm>
+          <a:prstGeom prst="rect">
+            <a:avLst/>
+          </a:prstGeom>
+          <a:solidFill>
+            <a:srgbClr val="113D63"/>
+          </a:solidFill>
+          <a:ln w="6350">
+            <a:noFill/>
+          </a:ln>
+        </p:spPr>
+        <p:style>
+          <a:lnRef idx="2">
+            <a:schemeClr val="accent1">
+              <a:shade val="50000"/>
+            </a:schemeClr>
+          </a:lnRef>
+          <a:fillRef idx="1">
+            <a:schemeClr val="accent1"/>
+          </a:fillRef>
+          <a:effectRef idx="0">
+            <a:schemeClr val="accent1"/>
+          </a:effectRef>
+          <a:fontRef idx="minor">
+            <a:schemeClr val="lt1"/>
+          </a:fontRef>
+        </p:style>
+        <p:txBody>
+          <a:bodyPr rtlCol="0" anchor="ctr"/>
+          <a:lstStyle/>
+          <a:p>
+            <a:pPr algn="ctr"/>
+            <a:r>
+              <a:rPr lang="en-US" sz="1200" dirty="0">
+                <a:latin typeface="Arial" panose="020B0604020202020204" pitchFamily="34" charset="0"/>
+                <a:cs typeface="Arial" panose="020B0604020202020204" pitchFamily="34" charset="0"/>
+              </a:rPr>
+              <a:t>Recent News</a:t>
+            </a:r>
+          </a:p>
+        </p:txBody>
+      </p:sp>
+      <p:graphicFrame>
+        <p:nvGraphicFramePr>
+          <p:cNvPr id="8" name="Table 7">
+            <a:extLst>
+              <a:ext uri="{FF2B5EF4-FFF2-40B4-BE49-F238E27FC236}">
+                <a16:creationId xmlns:a16="http://schemas.microsoft.com/office/drawing/2014/main" id="{1130A041-19D8-DA4B-8E25-93B715826E51}"/>
+              </a:ext>
+            </a:extLst>
+          </p:cNvPr>
+          <p:cNvGraphicFramePr>
+            <a:graphicFrameLocks noGrp="1"/>
+          </p:cNvGraphicFramePr>
+          <p:nvPr>
+            <p:extLst>
+              <p:ext uri="{D42A27DB-BD31-4B8C-83A1-F6EECF244321}">
+                <p14:modId xmlns:p14="http://schemas.microsoft.com/office/powerpoint/2010/main" val="1006164997"/>
+              </p:ext>
+            </p:extLst>
+          </p:nvPr>
+        </p:nvGraphicFramePr>
+        <p:xfrm>
+          <a:off x="2590800" y="3200400"/>
+          <a:ext cx="3806908" cy="2934916"/>
+        </p:xfrm>
+        <a:graphic>
+          <a:graphicData uri="http://schemas.openxmlformats.org/drawingml/2006/table">
+            <a:tbl>
+              <a:tblPr bandRow="1">
+                <a:tableStyleId>{073A0DAA-6AF3-43AB-8588-CEC1D06C72B9}</a:tableStyleId>
+              </a:tblPr>
+              <a:tblGrid>
+                <a:gridCol w="972000">
+                  <a:extLst>
+                    <a:ext uri="{9D8B030D-6E8A-4147-A177-3AD203B41FA5}">
+                      <a16:colId xmlns:a16="http://schemas.microsoft.com/office/drawing/2014/main" val="3214295045"/>
+                    </a:ext>
+                  </a:extLst>
+                </a:gridCol>
+                <a:gridCol w="708727">
+                  <a:extLst>
+                    <a:ext uri="{9D8B030D-6E8A-4147-A177-3AD203B41FA5}">
+                      <a16:colId xmlns:a16="http://schemas.microsoft.com/office/drawing/2014/main" val="4294288007"/>
+                    </a:ext>
+                  </a:extLst>
+                </a:gridCol>
+                <a:gridCol w="708727">
+                  <a:extLst>
+                    <a:ext uri="{9D8B030D-6E8A-4147-A177-3AD203B41FA5}">
+                      <a16:colId xmlns:a16="http://schemas.microsoft.com/office/drawing/2014/main" val="2744934108"/>
+                    </a:ext>
+                  </a:extLst>
+                </a:gridCol>
+                <a:gridCol w="708727">
+                  <a:extLst>
+                    <a:ext uri="{9D8B030D-6E8A-4147-A177-3AD203B41FA5}">
+                      <a16:colId xmlns:a16="http://schemas.microsoft.com/office/drawing/2014/main" val="544203679"/>
+                    </a:ext>
+                  </a:extLst>
+                </a:gridCol>
+                <a:gridCol w="708727">
+                  <a:extLst>
+                    <a:ext uri="{9D8B030D-6E8A-4147-A177-3AD203B41FA5}">
+                      <a16:colId xmlns:a16="http://schemas.microsoft.com/office/drawing/2014/main" val="202506082"/>
+                    </a:ext>
+                  </a:extLst>
+                </a:gridCol>
+              </a:tblGrid>
+              <a:tr h="342916">
+                <a:tc>
+                  <a:txBody>
+                    <a:bodyPr/>
+                    <a:lstStyle/>
+                    <a:p>
+                      <a:pPr algn="l"/>
+                      <a:endParaRPr lang="en-US" sz="900" dirty="0">
+                        <a:latin typeface="Arial" panose="020B0604020202020204" pitchFamily="34" charset="0"/>
+                        <a:cs typeface="Arial" panose="020B0604020202020204" pitchFamily="34" charset="0"/>
+                      </a:endParaRPr>
+                    </a:p>
+                  </a:txBody>
+                  <a:tcPr>
+                    <a:lnL w="12700" cap="flat" cmpd="sng" algn="ctr">
+                      <a:solidFill>
+                        <a:schemeClr val="tx1"/>
+                      </a:solidFill>
+                      <a:prstDash val="solid"/>
+                      <a:round/>
+                      <a:headEnd type="none" w="med" len="med"/>
+                      <a:tailEnd type="none" w="med" len="med"/>
+                    </a:lnL>
+                    <a:lnR w="12700" cap="flat" cmpd="sng" algn="ctr">
+                      <a:solidFill>
+                        <a:schemeClr val="tx1"/>
+                      </a:solidFill>
+                      <a:prstDash val="solid"/>
+                      <a:round/>
+                      <a:headEnd type="none" w="med" len="med"/>
+                      <a:tailEnd type="none" w="med" len="med"/>
+                    </a:lnR>
+                    <a:lnT w="12700" cap="flat" cmpd="sng" algn="ctr">
+                      <a:solidFill>
+                        <a:schemeClr val="tx1"/>
+                      </a:solidFill>
+                      <a:prstDash val="solid"/>
+                      <a:round/>
+                      <a:headEnd type="none" w="med" len="med"/>
+                      <a:tailEnd type="none" w="med" len="med"/>
+                    </a:lnT>
+                    <a:lnB w="12700" cap="flat" cmpd="sng" algn="ctr">
+                      <a:solidFill>
+                        <a:schemeClr val="tx1"/>
+                      </a:solidFill>
+                      <a:prstDash val="solid"/>
+                      <a:round/>
+                      <a:headEnd type="none" w="med" len="med"/>
+                      <a:tailEnd type="none" w="med" len="med"/>
+                    </a:lnB>
+                  </a:tcPr>
+                </a:tc>
+                <a:tc>
+                  <a:txBody>
+                    <a:bodyPr/>
+                    <a:lstStyle/>
+                    <a:p>
+                      <a:pPr algn="l"/>
+                      <a:endParaRPr lang="en-US" sz="900" dirty="0">
+                        <a:latin typeface="Arial" panose="020B0604020202020204" pitchFamily="34" charset="0"/>
+                        <a:cs typeface="Arial" panose="020B0604020202020204" pitchFamily="34" charset="0"/>
+                      </a:endParaRPr>
+                    </a:p>
+                  </a:txBody>
+                  <a:tcPr>
+                    <a:lnL w="12700" cap="flat" cmpd="sng" algn="ctr">
+                      <a:solidFill>
+                        <a:schemeClr val="tx1"/>
+                      </a:solidFill>
+                      <a:prstDash val="solid"/>
+                      <a:round/>
+                      <a:headEnd type="none" w="med" len="med"/>
+                      <a:tailEnd type="none" w="med" len="med"/>
+                    </a:lnL>
+                    <a:lnT w="12700" cap="flat" cmpd="sng" algn="ctr">
+                      <a:solidFill>
+                        <a:schemeClr val="tx1"/>
+                      </a:solidFill>
+                      <a:prstDash val="solid"/>
+                      <a:round/>
+                      <a:headEnd type="none" w="med" len="med"/>
+                      <a:tailEnd type="none" w="med" len="med"/>
+                    </a:lnT>
+                    <a:lnB w="12700" cap="flat" cmpd="sng" algn="ctr">
+                      <a:solidFill>
+                        <a:schemeClr val="tx1"/>
+                      </a:solidFill>
+                      <a:prstDash val="solid"/>
+                      <a:round/>
+                      <a:headEnd type="none" w="med" len="med"/>
+                      <a:tailEnd type="none" w="med" len="med"/>
+                    </a:lnB>
+                  </a:tcPr>
+                </a:tc>
+                <a:tc>
+                  <a:txBody>
+                    <a:bodyPr/>
+                    <a:lstStyle/>
+                    <a:p>
+                      <a:pPr algn="l"/>
+                      <a:endParaRPr lang="en-US" sz="900" dirty="0">
+                        <a:latin typeface="Arial" panose="020B0604020202020204" pitchFamily="34" charset="0"/>
+                        <a:cs typeface="Arial" panose="020B0604020202020204" pitchFamily="34" charset="0"/>
+                      </a:endParaRPr>
+                    </a:p>
+                  </a:txBody>
+                  <a:tcPr>
+                    <a:lnT w="12700" cap="flat" cmpd="sng" algn="ctr">
+                      <a:solidFill>
+                        <a:schemeClr val="tx1"/>
+                      </a:solidFill>
+                      <a:prstDash val="solid"/>
+                      <a:round/>
+                      <a:headEnd type="none" w="med" len="med"/>
+                      <a:tailEnd type="none" w="med" len="med"/>
+                    </a:lnT>
+                    <a:lnB w="12700" cap="flat" cmpd="sng" algn="ctr">
+                      <a:solidFill>
+                        <a:schemeClr val="tx1"/>
+                      </a:solidFill>
+                      <a:prstDash val="solid"/>
+                      <a:round/>
+                      <a:headEnd type="none" w="med" len="med"/>
+                      <a:tailEnd type="none" w="med" len="med"/>
+                    </a:lnB>
+                  </a:tcPr>
+                </a:tc>
+                <a:tc>
+                  <a:txBody>
+                    <a:bodyPr/>
+                    <a:lstStyle/>
+                    <a:p>
+                      <a:pPr algn="l"/>
+                      <a:endParaRPr lang="en-US" sz="900" dirty="0">
+                        <a:latin typeface="Arial" panose="020B0604020202020204" pitchFamily="34" charset="0"/>
+                        <a:cs typeface="Arial" panose="020B0604020202020204" pitchFamily="34" charset="0"/>
+                      </a:endParaRPr>
+                    </a:p>
+                  </a:txBody>
+                  <a:tcPr>
+                    <a:lnT w="12700" cap="flat" cmpd="sng" algn="ctr">
+                      <a:solidFill>
+                        <a:schemeClr val="tx1"/>
+                      </a:solidFill>
+                      <a:prstDash val="solid"/>
+                      <a:round/>
+                      <a:headEnd type="none" w="med" len="med"/>
+                      <a:tailEnd type="none" w="med" len="med"/>
+                    </a:lnT>
+                    <a:lnB w="12700" cap="flat" cmpd="sng" algn="ctr">
+                      <a:solidFill>
+                        <a:schemeClr val="tx1"/>
+                      </a:solidFill>
+                      <a:prstDash val="solid"/>
+                      <a:round/>
+                      <a:headEnd type="none" w="med" len="med"/>
+                      <a:tailEnd type="none" w="med" len="med"/>
+                    </a:lnB>
+                  </a:tcPr>
+                </a:tc>
+                <a:tc>
+                  <a:txBody>
+                    <a:bodyPr/>
+                    <a:lstStyle/>
+                    <a:p>
+                      <a:pPr algn="l"/>
+                      <a:endParaRPr lang="en-US" sz="900" dirty="0">
+                        <a:latin typeface="Arial" panose="020B0604020202020204" pitchFamily="34" charset="0"/>
+                        <a:cs typeface="Arial" panose="020B0604020202020204" pitchFamily="34" charset="0"/>
+                      </a:endParaRPr>
+                    </a:p>
+                  </a:txBody>
+                  <a:tcPr>
+                    <a:lnR w="12700" cap="flat" cmpd="sng" algn="ctr">
+                      <a:solidFill>
+                        <a:schemeClr val="tx1"/>
+                      </a:solidFill>
+                      <a:prstDash val="solid"/>
+                      <a:round/>
+                      <a:headEnd type="none" w="med" len="med"/>
+                      <a:tailEnd type="none" w="med" len="med"/>
+                    </a:lnR>
+                    <a:lnT w="12700" cap="flat" cmpd="sng" algn="ctr">
+                      <a:solidFill>
+                        <a:schemeClr val="tx1"/>
+                      </a:solidFill>
+                      <a:prstDash val="solid"/>
+                      <a:round/>
+                      <a:headEnd type="none" w="med" len="med"/>
+                      <a:tailEnd type="none" w="med" len="med"/>
+                    </a:lnT>
+                    <a:lnB w="12700" cap="flat" cmpd="sng" algn="ctr">
+                      <a:solidFill>
+                        <a:schemeClr val="tx1"/>
+                      </a:solidFill>
+                      <a:prstDash val="solid"/>
+                      <a:round/>
+                      <a:headEnd type="none" w="med" len="med"/>
+                      <a:tailEnd type="none" w="med" len="med"/>
+                    </a:lnB>
+                  </a:tcPr>
+                </a:tc>
+                <a:extLst>
+                  <a:ext uri="{0D108BD9-81ED-4DB2-BD59-A6C34878D82A}">
+                    <a16:rowId xmlns:a16="http://schemas.microsoft.com/office/drawing/2014/main" val="3243994161"/>
+                  </a:ext>
+                </a:extLst>
+              </a:tr>
+              <a:tr h="324000">
+                <a:tc>
+                  <a:txBody>
+                    <a:bodyPr/>
+                    <a:lstStyle/>
+                    <a:p>
+                      <a:pPr algn="l"/>
+                      <a:endParaRPr lang="en-US" sz="900" b="1" dirty="0">
+                        <a:latin typeface="Arial" panose="020B0604020202020204" pitchFamily="34" charset="0"/>
+                        <a:cs typeface="Arial" panose="020B0604020202020204" pitchFamily="34" charset="0"/>
+                      </a:endParaRPr>
+                    </a:p>
+                  </a:txBody>
+                  <a:tcPr>
+                    <a:lnR w="12700" cap="flat" cmpd="sng" algn="ctr">
+                      <a:solidFill>
+                        <a:schemeClr val="tx1"/>
+                      </a:solidFill>
+                      <a:prstDash val="solid"/>
+                      <a:round/>
+                      <a:headEnd type="none" w="med" len="med"/>
+                      <a:tailEnd type="none" w="med" len="med"/>
+                    </a:lnR>
+                    <a:lnT w="12700" cap="flat" cmpd="sng" algn="ctr">
+                      <a:solidFill>
+                        <a:schemeClr val="tx1"/>
+                      </a:solidFill>
+                      <a:prstDash val="solid"/>
+                      <a:round/>
+                      <a:headEnd type="none" w="med" len="med"/>
+                      <a:tailEnd type="none" w="med" len="med"/>
+                    </a:lnT>
+                  </a:tcPr>
+                </a:tc>
+                <a:tc>
+                  <a:txBody>
+                    <a:bodyPr/>
+                    <a:lstStyle/>
+                    <a:p>
+                      <a:pPr algn="l"/>
+                      <a:endParaRPr lang="en-US" sz="900" dirty="0">
+                        <a:latin typeface="Arial" panose="020B0604020202020204" pitchFamily="34" charset="0"/>
+                        <a:cs typeface="Arial" panose="020B0604020202020204" pitchFamily="34" charset="0"/>
+                      </a:endParaRPr>
+                    </a:p>
+                  </a:txBody>
+                  <a:tcPr>
+                    <a:lnL w="12700" cap="flat" cmpd="sng" algn="ctr">
+                      <a:solidFill>
+                        <a:schemeClr val="tx1"/>
+                      </a:solidFill>
+                      <a:prstDash val="solid"/>
+                      <a:round/>
+                      <a:headEnd type="none" w="med" len="med"/>
+                      <a:tailEnd type="none" w="med" len="med"/>
+                    </a:lnL>
+                    <a:lnT w="12700" cap="flat" cmpd="sng" algn="ctr">
+                      <a:solidFill>
+                        <a:schemeClr val="tx1"/>
+                      </a:solidFill>
+                      <a:prstDash val="solid"/>
+                      <a:round/>
+                      <a:headEnd type="none" w="med" len="med"/>
+                      <a:tailEnd type="none" w="med" len="med"/>
+                    </a:lnT>
+                  </a:tcPr>
+                </a:tc>
+                <a:tc>
+                  <a:txBody>
+                    <a:bodyPr/>
+                    <a:lstStyle/>
+                    <a:p>
+                      <a:pPr algn="l"/>
+                      <a:endParaRPr lang="en-US" sz="900" dirty="0">
+                        <a:latin typeface="Arial" panose="020B0604020202020204" pitchFamily="34" charset="0"/>
+                        <a:cs typeface="Arial" panose="020B0604020202020204" pitchFamily="34" charset="0"/>
+                      </a:endParaRPr>
+                    </a:p>
+                  </a:txBody>
+                  <a:tcPr>
+                    <a:lnT w="12700" cap="flat" cmpd="sng" algn="ctr">
+                      <a:solidFill>
+                        <a:schemeClr val="tx1"/>
+                      </a:solidFill>
+                      <a:prstDash val="solid"/>
+                      <a:round/>
+                      <a:headEnd type="none" w="med" len="med"/>
+                      <a:tailEnd type="none" w="med" len="med"/>
+                    </a:lnT>
+                  </a:tcPr>
+                </a:tc>
+                <a:tc>
+                  <a:txBody>
+                    <a:bodyPr/>
+                    <a:lstStyle/>
+                    <a:p>
+                      <a:pPr algn="l"/>
+                      <a:endParaRPr lang="en-US" sz="900">
+                        <a:latin typeface="Arial" panose="020B0604020202020204" pitchFamily="34" charset="0"/>
+                        <a:cs typeface="Arial" panose="020B0604020202020204" pitchFamily="34" charset="0"/>
+                      </a:endParaRPr>
+                    </a:p>
+                  </a:txBody>
+                  <a:tcPr>
+                    <a:lnT w="12700" cap="flat" cmpd="sng" algn="ctr">
+                      <a:solidFill>
+                        <a:schemeClr val="tx1"/>
+                      </a:solidFill>
+                      <a:prstDash val="solid"/>
+                      <a:round/>
+                      <a:headEnd type="none" w="med" len="med"/>
+                      <a:tailEnd type="none" w="med" len="med"/>
+                    </a:lnT>
+                  </a:tcPr>
+                </a:tc>
+                <a:tc>
+                  <a:txBody>
+                    <a:bodyPr/>
+                    <a:lstStyle/>
+                    <a:p>
+                      <a:pPr algn="l"/>
+                      <a:endParaRPr lang="en-US" sz="900" dirty="0">
+                        <a:latin typeface="Arial" panose="020B0604020202020204" pitchFamily="34" charset="0"/>
+                        <a:cs typeface="Arial" panose="020B0604020202020204" pitchFamily="34" charset="0"/>
+                      </a:endParaRPr>
+                    </a:p>
+                  </a:txBody>
+                  <a:tcPr>
+                    <a:lnT w="12700" cap="flat" cmpd="sng" algn="ctr">
+                      <a:solidFill>
+                        <a:schemeClr val="tx1"/>
+                      </a:solidFill>
+                      <a:prstDash val="solid"/>
+                      <a:round/>
+                      <a:headEnd type="none" w="med" len="med"/>
+                      <a:tailEnd type="none" w="med" len="med"/>
+                    </a:lnT>
+                  </a:tcPr>
+                </a:tc>
+                <a:extLst>
+                  <a:ext uri="{0D108BD9-81ED-4DB2-BD59-A6C34878D82A}">
+                    <a16:rowId xmlns:a16="http://schemas.microsoft.com/office/drawing/2014/main" val="2293485820"/>
+                  </a:ext>
+                </a:extLst>
+              </a:tr>
+              <a:tr h="324000">
+                <a:tc>
+                  <a:txBody>
+                    <a:bodyPr/>
+                    <a:lstStyle/>
+                    <a:p>
+                      <a:pPr algn="l"/>
+                      <a:endParaRPr lang="en-US" sz="900" b="1" dirty="0">
+                        <a:latin typeface="Arial" panose="020B0604020202020204" pitchFamily="34" charset="0"/>
+                        <a:cs typeface="Arial" panose="020B0604020202020204" pitchFamily="34" charset="0"/>
+                      </a:endParaRPr>
+                    </a:p>
+                  </a:txBody>
+                  <a:tcPr>
+                    <a:lnR w="12700" cap="flat" cmpd="sng" algn="ctr">
+                      <a:solidFill>
+                        <a:schemeClr val="tx1"/>
+                      </a:solidFill>
+                      <a:prstDash val="solid"/>
+                      <a:round/>
+                      <a:headEnd type="none" w="med" len="med"/>
+                      <a:tailEnd type="none" w="med" len="med"/>
+                    </a:lnR>
+                  </a:tcPr>
+                </a:tc>
+                <a:tc>
+                  <a:txBody>
+                    <a:bodyPr/>
+                    <a:lstStyle/>
+                    <a:p>
+                      <a:pPr algn="l"/>
+                      <a:endParaRPr lang="en-US" sz="900" dirty="0">
+                        <a:latin typeface="Arial" panose="020B0604020202020204" pitchFamily="34" charset="0"/>
+                        <a:cs typeface="Arial" panose="020B0604020202020204" pitchFamily="34" charset="0"/>
+                      </a:endParaRPr>
+                    </a:p>
+                  </a:txBody>
+                  <a:tcPr>
+                    <a:lnL w="12700" cap="flat" cmpd="sng" algn="ctr">
+                      <a:solidFill>
+                        <a:schemeClr val="tx1"/>
+                      </a:solidFill>
+                      <a:prstDash val="solid"/>
+                      <a:round/>
+                      <a:headEnd type="none" w="med" len="med"/>
+                      <a:tailEnd type="none" w="med" len="med"/>
+                    </a:lnL>
+                  </a:tcPr>
+                </a:tc>
+                <a:tc>
+                  <a:txBody>
+                    <a:bodyPr/>
+                    <a:lstStyle/>
+                    <a:p>
+                      <a:pPr algn="l"/>
+                      <a:endParaRPr lang="en-US" sz="900" dirty="0">
+                        <a:latin typeface="Arial" panose="020B0604020202020204" pitchFamily="34" charset="0"/>
+                        <a:cs typeface="Arial" panose="020B0604020202020204" pitchFamily="34" charset="0"/>
+                      </a:endParaRPr>
+                    </a:p>
+                  </a:txBody>
+                  <a:tcPr/>
+                </a:tc>
+                <a:tc>
+                  <a:txBody>
+                    <a:bodyPr/>
+                    <a:lstStyle/>
+                    <a:p>
+                      <a:pPr algn="l"/>
+                      <a:endParaRPr lang="en-US" sz="900" dirty="0">
+                        <a:latin typeface="Arial" panose="020B0604020202020204" pitchFamily="34" charset="0"/>
+                        <a:cs typeface="Arial" panose="020B0604020202020204" pitchFamily="34" charset="0"/>
+                      </a:endParaRPr>
+                    </a:p>
+                  </a:txBody>
+                  <a:tcPr/>
+                </a:tc>
+                <a:tc>
+                  <a:txBody>
+                    <a:bodyPr/>
+                    <a:lstStyle/>
+                    <a:p>
+                      <a:pPr algn="l"/>
+                      <a:endParaRPr lang="en-US" sz="900" dirty="0">
+                        <a:latin typeface="Arial" panose="020B0604020202020204" pitchFamily="34" charset="0"/>
+                        <a:cs typeface="Arial" panose="020B0604020202020204" pitchFamily="34" charset="0"/>
+                      </a:endParaRPr>
+                    </a:p>
+                  </a:txBody>
+                  <a:tcPr/>
+                </a:tc>
+                <a:extLst>
+                  <a:ext uri="{0D108BD9-81ED-4DB2-BD59-A6C34878D82A}">
+                    <a16:rowId xmlns:a16="http://schemas.microsoft.com/office/drawing/2014/main" val="137504531"/>
+                  </a:ext>
+                </a:extLst>
+              </a:tr>
+              <a:tr h="324000">
+                <a:tc>
+                  <a:txBody>
+                    <a:bodyPr/>
+                    <a:lstStyle/>
+                    <a:p>
+                      <a:pPr lvl="0" algn="l"/>
+                      <a:endParaRPr lang="en-US" sz="900" i="1" dirty="0">
+                        <a:latin typeface="Arial" panose="020B0604020202020204" pitchFamily="34" charset="0"/>
+                        <a:cs typeface="Arial" panose="020B0604020202020204" pitchFamily="34" charset="0"/>
+                      </a:endParaRPr>
+                    </a:p>
+                  </a:txBody>
+                  <a:tcPr>
+                    <a:lnR w="12700" cap="flat" cmpd="sng" algn="ctr">
+                      <a:solidFill>
+                        <a:schemeClr val="tx1"/>
+                      </a:solidFill>
+                      <a:prstDash val="solid"/>
+                      <a:round/>
+                      <a:headEnd type="none" w="med" len="med"/>
+                      <a:tailEnd type="none" w="med" len="med"/>
+                    </a:lnR>
+                  </a:tcPr>
+                </a:tc>
+                <a:tc>
+                  <a:txBody>
+                    <a:bodyPr/>
+                    <a:lstStyle/>
+                    <a:p>
+                      <a:pPr algn="l"/>
+                      <a:endParaRPr lang="en-US" sz="900" i="1" dirty="0">
+                        <a:latin typeface="Arial" panose="020B0604020202020204" pitchFamily="34" charset="0"/>
+                        <a:cs typeface="Arial" panose="020B0604020202020204" pitchFamily="34" charset="0"/>
+                      </a:endParaRPr>
+                    </a:p>
+                  </a:txBody>
+                  <a:tcPr>
+                    <a:lnL w="12700" cap="flat" cmpd="sng" algn="ctr">
+                      <a:solidFill>
+                        <a:schemeClr val="tx1"/>
+                      </a:solidFill>
+                      <a:prstDash val="solid"/>
+                      <a:round/>
+                      <a:headEnd type="none" w="med" len="med"/>
+                      <a:tailEnd type="none" w="med" len="med"/>
+                    </a:lnL>
+                  </a:tcPr>
+                </a:tc>
+                <a:tc>
+                  <a:txBody>
+                    <a:bodyPr/>
+                    <a:lstStyle/>
+                    <a:p>
+                      <a:pPr algn="l"/>
+                      <a:endParaRPr lang="en-US" sz="900" i="1" dirty="0">
+                        <a:latin typeface="Arial" panose="020B0604020202020204" pitchFamily="34" charset="0"/>
+                        <a:cs typeface="Arial" panose="020B0604020202020204" pitchFamily="34" charset="0"/>
+                      </a:endParaRPr>
+                    </a:p>
+                  </a:txBody>
+                  <a:tcPr/>
+                </a:tc>
+                <a:tc>
+                  <a:txBody>
+                    <a:bodyPr/>
+                    <a:lstStyle/>
+                    <a:p>
+                      <a:pPr algn="l"/>
+                      <a:endParaRPr lang="en-US" sz="900" i="1" dirty="0">
+                        <a:latin typeface="Arial" panose="020B0604020202020204" pitchFamily="34" charset="0"/>
+                        <a:cs typeface="Arial" panose="020B0604020202020204" pitchFamily="34" charset="0"/>
+                      </a:endParaRPr>
+                    </a:p>
+                  </a:txBody>
+                  <a:tcPr/>
+                </a:tc>
+                <a:tc>
+                  <a:txBody>
+                    <a:bodyPr/>
+                    <a:lstStyle/>
+                    <a:p>
+                      <a:pPr algn="l"/>
+                      <a:endParaRPr lang="en-US" sz="900" i="1" dirty="0">
+                        <a:latin typeface="Arial" panose="020B0604020202020204" pitchFamily="34" charset="0"/>
+                        <a:cs typeface="Arial" panose="020B0604020202020204" pitchFamily="34" charset="0"/>
+                      </a:endParaRPr>
+                    </a:p>
+                  </a:txBody>
+                  <a:tcPr/>
+                </a:tc>
+                <a:extLst>
+                  <a:ext uri="{0D108BD9-81ED-4DB2-BD59-A6C34878D82A}">
+                    <a16:rowId xmlns:a16="http://schemas.microsoft.com/office/drawing/2014/main" val="3888303574"/>
+                  </a:ext>
+                </a:extLst>
+              </a:tr>
+              <a:tr h="324000">
+                <a:tc>
+                  <a:txBody>
+                    <a:bodyPr/>
+                    <a:lstStyle/>
+                    <a:p>
+                      <a:pPr algn="l"/>
+                      <a:endParaRPr lang="en-US" sz="900" b="1" dirty="0">
+                        <a:latin typeface="Arial" panose="020B0604020202020204" pitchFamily="34" charset="0"/>
+                        <a:cs typeface="Arial" panose="020B0604020202020204" pitchFamily="34" charset="0"/>
+                      </a:endParaRPr>
+                    </a:p>
+                  </a:txBody>
+                  <a:tcPr>
+                    <a:lnR w="12700" cap="flat" cmpd="sng" algn="ctr">
+                      <a:solidFill>
+                        <a:schemeClr val="tx1"/>
+                      </a:solidFill>
+                      <a:prstDash val="solid"/>
+                      <a:round/>
+                      <a:headEnd type="none" w="med" len="med"/>
+                      <a:tailEnd type="none" w="med" len="med"/>
+                    </a:lnR>
+                  </a:tcPr>
+                </a:tc>
+                <a:tc>
+                  <a:txBody>
+                    <a:bodyPr/>
+                    <a:lstStyle/>
+                    <a:p>
+                      <a:pPr algn="l"/>
+                      <a:endParaRPr lang="en-US" sz="900" dirty="0">
+                        <a:latin typeface="Arial" panose="020B0604020202020204" pitchFamily="34" charset="0"/>
+                        <a:cs typeface="Arial" panose="020B0604020202020204" pitchFamily="34" charset="0"/>
+                      </a:endParaRPr>
+                    </a:p>
+                  </a:txBody>
+                  <a:tcPr>
+                    <a:lnL w="12700" cap="flat" cmpd="sng" algn="ctr">
+                      <a:solidFill>
+                        <a:schemeClr val="tx1"/>
+                      </a:solidFill>
+                      <a:prstDash val="solid"/>
+                      <a:round/>
+                      <a:headEnd type="none" w="med" len="med"/>
+                      <a:tailEnd type="none" w="med" len="med"/>
+                    </a:lnL>
+                  </a:tcPr>
+                </a:tc>
+                <a:tc>
+                  <a:txBody>
+                    <a:bodyPr/>
+                    <a:lstStyle/>
+                    <a:p>
+                      <a:pPr algn="l"/>
+                      <a:endParaRPr lang="en-US" sz="900">
+                        <a:latin typeface="Arial" panose="020B0604020202020204" pitchFamily="34" charset="0"/>
+                        <a:cs typeface="Arial" panose="020B0604020202020204" pitchFamily="34" charset="0"/>
+                      </a:endParaRPr>
+                    </a:p>
+                  </a:txBody>
+                  <a:tcPr/>
+                </a:tc>
+                <a:tc>
+                  <a:txBody>
+                    <a:bodyPr/>
+                    <a:lstStyle/>
+                    <a:p>
+                      <a:pPr algn="l"/>
+                      <a:endParaRPr lang="en-US" sz="900" dirty="0">
+                        <a:latin typeface="Arial" panose="020B0604020202020204" pitchFamily="34" charset="0"/>
+                        <a:cs typeface="Arial" panose="020B0604020202020204" pitchFamily="34" charset="0"/>
+                      </a:endParaRPr>
+                    </a:p>
+                  </a:txBody>
+                  <a:tcPr/>
+                </a:tc>
+                <a:tc>
+                  <a:txBody>
+                    <a:bodyPr/>
+                    <a:lstStyle/>
+                    <a:p>
+                      <a:pPr algn="l"/>
+                      <a:endParaRPr lang="en-US" sz="900" dirty="0">
+                        <a:latin typeface="Arial" panose="020B0604020202020204" pitchFamily="34" charset="0"/>
+                        <a:cs typeface="Arial" panose="020B0604020202020204" pitchFamily="34" charset="0"/>
+                      </a:endParaRPr>
+                    </a:p>
+                  </a:txBody>
+                  <a:tcPr/>
+                </a:tc>
+                <a:extLst>
+                  <a:ext uri="{0D108BD9-81ED-4DB2-BD59-A6C34878D82A}">
+                    <a16:rowId xmlns:a16="http://schemas.microsoft.com/office/drawing/2014/main" val="4042545416"/>
+                  </a:ext>
+                </a:extLst>
+              </a:tr>
+              <a:tr h="324000">
+                <a:tc>
+                  <a:txBody>
+                    <a:bodyPr/>
+                    <a:lstStyle/>
+                    <a:p>
+                      <a:pPr algn="l"/>
+                      <a:endParaRPr lang="en-US" sz="900" b="1" dirty="0">
+                        <a:latin typeface="Arial" panose="020B0604020202020204" pitchFamily="34" charset="0"/>
+                        <a:cs typeface="Arial" panose="020B0604020202020204" pitchFamily="34" charset="0"/>
+                      </a:endParaRPr>
+                    </a:p>
+                  </a:txBody>
+                  <a:tcPr>
+                    <a:lnR w="12700" cap="flat" cmpd="sng" algn="ctr">
+                      <a:solidFill>
+                        <a:schemeClr val="tx1"/>
+                      </a:solidFill>
+                      <a:prstDash val="solid"/>
+                      <a:round/>
+                      <a:headEnd type="none" w="med" len="med"/>
+                      <a:tailEnd type="none" w="med" len="med"/>
+                    </a:lnR>
+                  </a:tcPr>
+                </a:tc>
+                <a:tc>
+                  <a:txBody>
+                    <a:bodyPr/>
+                    <a:lstStyle/>
+                    <a:p>
+                      <a:pPr algn="l"/>
+                      <a:endParaRPr lang="en-US" sz="900" dirty="0">
+                        <a:latin typeface="Arial" panose="020B0604020202020204" pitchFamily="34" charset="0"/>
+                        <a:cs typeface="Arial" panose="020B0604020202020204" pitchFamily="34" charset="0"/>
+                      </a:endParaRPr>
+                    </a:p>
+                  </a:txBody>
+                  <a:tcPr>
+                    <a:lnL w="12700" cap="flat" cmpd="sng" algn="ctr">
+                      <a:solidFill>
+                        <a:schemeClr val="tx1"/>
+                      </a:solidFill>
+                      <a:prstDash val="solid"/>
+                      <a:round/>
+                      <a:headEnd type="none" w="med" len="med"/>
+                      <a:tailEnd type="none" w="med" len="med"/>
+                    </a:lnL>
+                  </a:tcPr>
+                </a:tc>
+                <a:tc>
+                  <a:txBody>
+                    <a:bodyPr/>
+                    <a:lstStyle/>
+                    <a:p>
+                      <a:pPr algn="l"/>
+                      <a:endParaRPr lang="en-US" sz="900" dirty="0">
+                        <a:latin typeface="Arial" panose="020B0604020202020204" pitchFamily="34" charset="0"/>
+                        <a:cs typeface="Arial" panose="020B0604020202020204" pitchFamily="34" charset="0"/>
+                      </a:endParaRPr>
+                    </a:p>
+                  </a:txBody>
+                  <a:tcPr/>
+                </a:tc>
+                <a:tc>
+                  <a:txBody>
+                    <a:bodyPr/>
+                    <a:lstStyle/>
+                    <a:p>
+                      <a:pPr algn="l"/>
+                      <a:endParaRPr lang="en-US" sz="900" dirty="0">
+                        <a:latin typeface="Arial" panose="020B0604020202020204" pitchFamily="34" charset="0"/>
+                        <a:cs typeface="Arial" panose="020B0604020202020204" pitchFamily="34" charset="0"/>
+                      </a:endParaRPr>
+                    </a:p>
+                  </a:txBody>
+                  <a:tcPr/>
+                </a:tc>
+                <a:tc>
+                  <a:txBody>
+                    <a:bodyPr/>
+                    <a:lstStyle/>
+                    <a:p>
+                      <a:pPr algn="l"/>
+                      <a:endParaRPr lang="en-US" sz="900" dirty="0">
+                        <a:latin typeface="Arial" panose="020B0604020202020204" pitchFamily="34" charset="0"/>
+                        <a:cs typeface="Arial" panose="020B0604020202020204" pitchFamily="34" charset="0"/>
+                      </a:endParaRPr>
+                    </a:p>
+                  </a:txBody>
+                  <a:tcPr/>
+                </a:tc>
+                <a:extLst>
+                  <a:ext uri="{0D108BD9-81ED-4DB2-BD59-A6C34878D82A}">
+                    <a16:rowId xmlns:a16="http://schemas.microsoft.com/office/drawing/2014/main" val="1486600200"/>
+                  </a:ext>
+                </a:extLst>
+              </a:tr>
+              <a:tr h="324000">
+                <a:tc>
+                  <a:txBody>
+                    <a:bodyPr/>
+                    <a:lstStyle/>
+                    <a:p>
+                      <a:pPr algn="l"/>
+                      <a:endParaRPr lang="en-US" sz="900" i="1" dirty="0">
+                        <a:latin typeface="Arial" panose="020B0604020202020204" pitchFamily="34" charset="0"/>
+                        <a:cs typeface="Arial" panose="020B0604020202020204" pitchFamily="34" charset="0"/>
+                      </a:endParaRPr>
+                    </a:p>
+                  </a:txBody>
+                  <a:tcPr>
+                    <a:lnR w="12700" cap="flat" cmpd="sng" algn="ctr">
+                      <a:solidFill>
+                        <a:schemeClr val="tx1"/>
+                      </a:solidFill>
+                      <a:prstDash val="solid"/>
+                      <a:round/>
+                      <a:headEnd type="none" w="med" len="med"/>
+                      <a:tailEnd type="none" w="med" len="med"/>
+                    </a:lnR>
+                  </a:tcPr>
+                </a:tc>
+                <a:tc>
+                  <a:txBody>
+                    <a:bodyPr/>
+                    <a:lstStyle/>
+                    <a:p>
+                      <a:pPr algn="l"/>
+                      <a:endParaRPr lang="en-US" sz="900" i="1" dirty="0">
+                        <a:latin typeface="Arial" panose="020B0604020202020204" pitchFamily="34" charset="0"/>
+                        <a:cs typeface="Arial" panose="020B0604020202020204" pitchFamily="34" charset="0"/>
+                      </a:endParaRPr>
+                    </a:p>
+                  </a:txBody>
+                  <a:tcPr>
+                    <a:lnL w="12700" cap="flat" cmpd="sng" algn="ctr">
+                      <a:solidFill>
+                        <a:schemeClr val="tx1"/>
+                      </a:solidFill>
+                      <a:prstDash val="solid"/>
+                      <a:round/>
+                      <a:headEnd type="none" w="med" len="med"/>
+                      <a:tailEnd type="none" w="med" len="med"/>
+                    </a:lnL>
+                  </a:tcPr>
+                </a:tc>
+                <a:tc>
+                  <a:txBody>
+                    <a:bodyPr/>
+                    <a:lstStyle/>
+                    <a:p>
+                      <a:pPr algn="l"/>
+                      <a:endParaRPr lang="en-US" sz="900" i="1" dirty="0">
+                        <a:latin typeface="Arial" panose="020B0604020202020204" pitchFamily="34" charset="0"/>
+                        <a:cs typeface="Arial" panose="020B0604020202020204" pitchFamily="34" charset="0"/>
+                      </a:endParaRPr>
+                    </a:p>
+                  </a:txBody>
+                  <a:tcPr/>
+                </a:tc>
+                <a:tc>
+                  <a:txBody>
+                    <a:bodyPr/>
+                    <a:lstStyle/>
+                    <a:p>
+                      <a:pPr algn="l"/>
+                      <a:endParaRPr lang="en-US" sz="900" i="1" dirty="0">
+                        <a:latin typeface="Arial" panose="020B0604020202020204" pitchFamily="34" charset="0"/>
+                        <a:cs typeface="Arial" panose="020B0604020202020204" pitchFamily="34" charset="0"/>
+                      </a:endParaRPr>
+                    </a:p>
+                  </a:txBody>
+                  <a:tcPr/>
+                </a:tc>
+                <a:tc>
+                  <a:txBody>
+                    <a:bodyPr/>
+                    <a:lstStyle/>
+                    <a:p>
+                      <a:pPr algn="l"/>
+                      <a:endParaRPr lang="en-US" sz="900" i="1" dirty="0">
+                        <a:latin typeface="Arial" panose="020B0604020202020204" pitchFamily="34" charset="0"/>
+                        <a:cs typeface="Arial" panose="020B0604020202020204" pitchFamily="34" charset="0"/>
+                      </a:endParaRPr>
+                    </a:p>
+                  </a:txBody>
+                  <a:tcPr/>
+                </a:tc>
+                <a:extLst>
+                  <a:ext uri="{0D108BD9-81ED-4DB2-BD59-A6C34878D82A}">
+                    <a16:rowId xmlns:a16="http://schemas.microsoft.com/office/drawing/2014/main" val="2896792062"/>
+                  </a:ext>
+                </a:extLst>
+              </a:tr>
+              <a:tr h="324000">
+                <a:tc>
+                  <a:txBody>
+                    <a:bodyPr/>
+                    <a:lstStyle/>
+                    <a:p>
+                      <a:pPr marL="0" marR="0" lvl="0" indent="0" algn="l" defTabSz="914400" rtl="0" eaLnBrk="1" fontAlgn="auto" latinLnBrk="0" hangingPunct="1">
+                        <a:lnSpc>
+                          <a:spcPct val="100000"/>
+                        </a:lnSpc>
+                        <a:spcBef>
+                          <a:spcPts val="0"/>
+                        </a:spcBef>
+                        <a:spcAft>
+                          <a:spcPts val="0"/>
+                        </a:spcAft>
+                        <a:buClrTx/>
+                        <a:buSzTx/>
+                        <a:buFontTx/>
+                        <a:buNone/>
+                        <a:tabLst/>
+                        <a:defRPr/>
+                      </a:pPr>
+                      <a:endParaRPr lang="en-US" sz="900" b="1" dirty="0">
+                        <a:latin typeface="Arial" panose="020B0604020202020204" pitchFamily="34" charset="0"/>
+                        <a:cs typeface="Arial" panose="020B0604020202020204" pitchFamily="34" charset="0"/>
+                      </a:endParaRPr>
+                    </a:p>
+                  </a:txBody>
+                  <a:tcPr>
+                    <a:lnR w="12700" cap="flat" cmpd="sng" algn="ctr">
+                      <a:solidFill>
+                        <a:schemeClr val="tx1"/>
+                      </a:solidFill>
+                      <a:prstDash val="solid"/>
+                      <a:round/>
+                      <a:headEnd type="none" w="med" len="med"/>
+                      <a:tailEnd type="none" w="med" len="med"/>
+                    </a:lnR>
+                  </a:tcPr>
+                </a:tc>
+                <a:tc>
+                  <a:txBody>
+                    <a:bodyPr/>
+                    <a:lstStyle/>
+                    <a:p>
+                      <a:pPr algn="l"/>
+                      <a:endParaRPr lang="en-US" sz="900" dirty="0">
+                        <a:latin typeface="Arial" panose="020B0604020202020204" pitchFamily="34" charset="0"/>
+                        <a:cs typeface="Arial" panose="020B0604020202020204" pitchFamily="34" charset="0"/>
+                      </a:endParaRPr>
+                    </a:p>
+                  </a:txBody>
+                  <a:tcPr>
+                    <a:lnL w="12700" cap="flat" cmpd="sng" algn="ctr">
+                      <a:solidFill>
+                        <a:schemeClr val="tx1"/>
+                      </a:solidFill>
+                      <a:prstDash val="solid"/>
+                      <a:round/>
+                      <a:headEnd type="none" w="med" len="med"/>
+                      <a:tailEnd type="none" w="med" len="med"/>
+                    </a:lnL>
+                  </a:tcPr>
+                </a:tc>
+                <a:tc>
+                  <a:txBody>
+                    <a:bodyPr/>
+                    <a:lstStyle/>
+                    <a:p>
+                      <a:pPr algn="l"/>
+                      <a:endParaRPr lang="en-US" sz="900" dirty="0">
+                        <a:latin typeface="Arial" panose="020B0604020202020204" pitchFamily="34" charset="0"/>
+                        <a:cs typeface="Arial" panose="020B0604020202020204" pitchFamily="34" charset="0"/>
+                      </a:endParaRPr>
+                    </a:p>
+                  </a:txBody>
+                  <a:tcPr/>
+                </a:tc>
+                <a:tc>
+                  <a:txBody>
+                    <a:bodyPr/>
+                    <a:lstStyle/>
+                    <a:p>
+                      <a:pPr algn="l"/>
+                      <a:endParaRPr lang="en-US" sz="900" dirty="0">
+                        <a:latin typeface="Arial" panose="020B0604020202020204" pitchFamily="34" charset="0"/>
+                        <a:cs typeface="Arial" panose="020B0604020202020204" pitchFamily="34" charset="0"/>
+                      </a:endParaRPr>
+                    </a:p>
+                  </a:txBody>
+                  <a:tcPr/>
+                </a:tc>
+                <a:tc>
+                  <a:txBody>
+                    <a:bodyPr/>
+                    <a:lstStyle/>
+                    <a:p>
+                      <a:pPr algn="l"/>
+                      <a:endParaRPr lang="en-US" sz="900" dirty="0">
+                        <a:latin typeface="Arial" panose="020B0604020202020204" pitchFamily="34" charset="0"/>
+                        <a:cs typeface="Arial" panose="020B0604020202020204" pitchFamily="34" charset="0"/>
+                      </a:endParaRPr>
+                    </a:p>
+                  </a:txBody>
+                  <a:tcPr/>
+                </a:tc>
+                <a:extLst>
+                  <a:ext uri="{0D108BD9-81ED-4DB2-BD59-A6C34878D82A}">
+                    <a16:rowId xmlns:a16="http://schemas.microsoft.com/office/drawing/2014/main" val="2809389746"/>
+                  </a:ext>
+                </a:extLst>
+              </a:tr>
+              <a:tr h="324000">
+                <a:tc>
+                  <a:txBody>
+                    <a:bodyPr/>
+                    <a:lstStyle/>
+                    <a:p>
+                      <a:pPr algn="l"/>
+                      <a:endParaRPr lang="en-US" sz="900" i="1" dirty="0">
+                        <a:latin typeface="Arial" panose="020B0604020202020204" pitchFamily="34" charset="0"/>
+                        <a:cs typeface="Arial" panose="020B0604020202020204" pitchFamily="34" charset="0"/>
+                      </a:endParaRPr>
+                    </a:p>
+                  </a:txBody>
+                  <a:tcPr>
+                    <a:lnR w="12700" cap="flat" cmpd="sng" algn="ctr">
+                      <a:solidFill>
+                        <a:schemeClr val="tx1"/>
+                      </a:solidFill>
+                      <a:prstDash val="solid"/>
+                      <a:round/>
+                      <a:headEnd type="none" w="med" len="med"/>
+                      <a:tailEnd type="none" w="med" len="med"/>
+                    </a:lnR>
+                  </a:tcPr>
+                </a:tc>
+                <a:tc>
+                  <a:txBody>
+                    <a:bodyPr/>
+                    <a:lstStyle/>
+                    <a:p>
+                      <a:pPr algn="l"/>
+                      <a:endParaRPr lang="en-US" sz="900" i="1">
+                        <a:latin typeface="Arial" panose="020B0604020202020204" pitchFamily="34" charset="0"/>
+                        <a:cs typeface="Arial" panose="020B0604020202020204" pitchFamily="34" charset="0"/>
+                      </a:endParaRPr>
+                    </a:p>
+                  </a:txBody>
+                  <a:tcPr>
+                    <a:lnL w="12700" cap="flat" cmpd="sng" algn="ctr">
+                      <a:solidFill>
+                        <a:schemeClr val="tx1"/>
+                      </a:solidFill>
+                      <a:prstDash val="solid"/>
+                      <a:round/>
+                      <a:headEnd type="none" w="med" len="med"/>
+                      <a:tailEnd type="none" w="med" len="med"/>
+                    </a:lnL>
+                  </a:tcPr>
+                </a:tc>
+                <a:tc>
+                  <a:txBody>
+                    <a:bodyPr/>
+                    <a:lstStyle/>
+                    <a:p>
+                      <a:pPr algn="l"/>
+                      <a:endParaRPr lang="en-US" sz="900" i="1" dirty="0">
+                        <a:latin typeface="Arial" panose="020B0604020202020204" pitchFamily="34" charset="0"/>
+                        <a:cs typeface="Arial" panose="020B0604020202020204" pitchFamily="34" charset="0"/>
+                      </a:endParaRPr>
+                    </a:p>
+                  </a:txBody>
+                  <a:tcPr/>
+                </a:tc>
+                <a:tc>
+                  <a:txBody>
+                    <a:bodyPr/>
+                    <a:lstStyle/>
+                    <a:p>
+                      <a:pPr algn="l"/>
+                      <a:endParaRPr lang="en-US" sz="900" i="1" dirty="0">
+                        <a:latin typeface="Arial" panose="020B0604020202020204" pitchFamily="34" charset="0"/>
+                        <a:cs typeface="Arial" panose="020B0604020202020204" pitchFamily="34" charset="0"/>
+                      </a:endParaRPr>
+                    </a:p>
+                  </a:txBody>
+                  <a:tcPr/>
+                </a:tc>
+                <a:tc>
+                  <a:txBody>
+                    <a:bodyPr/>
+                    <a:lstStyle/>
+                    <a:p>
+                      <a:pPr algn="l"/>
+                      <a:endParaRPr lang="en-US" sz="900" i="1" dirty="0">
+                        <a:latin typeface="Arial" panose="020B0604020202020204" pitchFamily="34" charset="0"/>
+                        <a:cs typeface="Arial" panose="020B0604020202020204" pitchFamily="34" charset="0"/>
+                      </a:endParaRPr>
+                    </a:p>
+                  </a:txBody>
+                  <a:tcPr/>
+                </a:tc>
+                <a:extLst>
+                  <a:ext uri="{0D108BD9-81ED-4DB2-BD59-A6C34878D82A}">
+                    <a16:rowId xmlns:a16="http://schemas.microsoft.com/office/drawing/2014/main" val="3133139239"/>
+                  </a:ext>
+                </a:extLst>
+              </a:tr>
+            </a:tbl>
+          </a:graphicData>
+        </a:graphic>
+      </p:graphicFrame>
+      <p:sp>
+        <p:nvSpPr>
+          <p:cNvPr id="7" name="Rectangle 6">
+            <a:extLst>
+              <a:ext uri="{FF2B5EF4-FFF2-40B4-BE49-F238E27FC236}">
+                <a16:creationId xmlns:a16="http://schemas.microsoft.com/office/drawing/2014/main" id="{A698BB19-F358-2341-A73E-BFCEF7E3E40F}"/>
+              </a:ext>
+            </a:extLst>
+          </p:cNvPr>
+          <p:cNvSpPr/>
+          <p:nvPr/>
+        </p:nvSpPr>
+        <p:spPr>
+          <a:xfrm>
+            <a:off x="381000" y="914400"/>
+            <a:ext cx="1295400" cy="258369"/>
+          </a:xfrm>
+          <a:prstGeom prst="rect">
+            <a:avLst/>
+          </a:prstGeom>
+          <a:solidFill>
+            <a:schemeClr val="bg1"/>
+          </a:solidFill>
+          <a:ln w="6350">
+            <a:noFill/>
+          </a:ln>
+        </p:spPr>
+        <p:style>
+          <a:lnRef idx="2">
+            <a:schemeClr val="accent1">
+              <a:shade val="50000"/>
+            </a:schemeClr>
+          </a:lnRef>
+          <a:fillRef idx="1">
+            <a:schemeClr val="accent1"/>
+          </a:fillRef>
+          <a:effectRef idx="0">
+            <a:schemeClr val="accent1"/>
+          </a:effectRef>
+          <a:fontRef idx="minor">
+            <a:schemeClr val="lt1"/>
+          </a:fontRef>
+        </p:style>
+        <p:txBody>
+          <a:bodyPr rtlCol="0" anchor="ctr"/>
+          <a:lstStyle/>
+          <a:p>
+            <a:pPr marL="173038" indent="-173038" algn="ctr">
+              <a:buFont typeface="Wingdings" panose="05000000000000000000" pitchFamily="2" charset="2"/>
+              <a:buChar char="§"/>
+            </a:pPr>
+            <a:endParaRPr lang="en-US" sz="1200" dirty="0">
+              <a:noFill/>
+              <a:latin typeface="Arial" panose="020B0604020202020204" pitchFamily="34" charset="0"/>
+              <a:cs typeface="Arial" panose="020B0604020202020204" pitchFamily="34" charset="0"/>
+            </a:endParaRPr>
+          </a:p>
+        </p:txBody>
+      </p:sp>
+      <p:sp>
+        <p:nvSpPr>
+          <p:cNvPr id="16" name="Text Placeholder 5">
+            <a:extLst>
+              <a:ext uri="{FF2B5EF4-FFF2-40B4-BE49-F238E27FC236}">
+                <a16:creationId xmlns:a16="http://schemas.microsoft.com/office/drawing/2014/main" id="{1F327A0E-FA1A-4D45-8FA5-A9C97FD34602}"/>
+              </a:ext>
+            </a:extLst>
+          </p:cNvPr>
+          <p:cNvSpPr txBox="1">
+            <a:spLocks/>
+          </p:cNvSpPr>
+          <p:nvPr/>
+        </p:nvSpPr>
+        <p:spPr bwMode="auto">
+          <a:xfrm>
+            <a:off x="381000" y="914400"/>
+            <a:ext cx="2057400" cy="216000"/>
+          </a:xfrm>
+          <a:prstGeom prst="rect">
+            <a:avLst/>
+          </a:prstGeom>
+          <a:solidFill>
+            <a:srgbClr val="113D63"/>
+          </a:solidFill>
+          <a:ln w="9525">
+            <a:noFill/>
+            <a:miter lim="800000"/>
+            <a:headEnd/>
+            <a:tailEnd/>
+          </a:ln>
+        </p:spPr>
+        <p:txBody>
+          <a:bodyPr vert="horz" wrap="square" lIns="0" tIns="45720" rIns="0" bIns="45720" numCol="1" anchor="ctr" anchorCtr="0" compatLnSpc="1">
+            <a:prstTxWarp prst="textNoShape">
+              <a:avLst/>
+            </a:prstTxWarp>
+            <a:spAutoFit/>
+          </a:bodyPr>
+          <a:lstStyle>
+            <a:lvl1pPr marL="0" indent="0" algn="ctr" rtl="0" eaLnBrk="0" fontAlgn="base" hangingPunct="0">
+              <a:spcBef>
+                <a:spcPct val="20000"/>
+              </a:spcBef>
+              <a:spcAft>
+                <a:spcPct val="0"/>
+              </a:spcAft>
+              <a:buClrTx/>
+              <a:buSzPct val="120000"/>
+              <a:buFont typeface="Wingdings" panose="05000000000000000000" pitchFamily="2" charset="2"/>
+              <a:buNone/>
+              <a:tabLst/>
+              <a:defRPr sz="1200" kern="1200" baseline="0">
+                <a:solidFill>
+                  <a:schemeClr val="bg1"/>
+                </a:solidFill>
+                <a:latin typeface="Arial" pitchFamily="34" charset="0"/>
+                <a:ea typeface="+mn-ea"/>
+                <a:cs typeface="+mn-cs"/>
+              </a:defRPr>
+            </a:lvl1pPr>
+            <a:lvl2pPr marL="346075" indent="-173038" algn="l" rtl="0" eaLnBrk="0" fontAlgn="base" hangingPunct="0">
+              <a:spcBef>
+                <a:spcPct val="20000"/>
+              </a:spcBef>
+              <a:spcAft>
+                <a:spcPct val="0"/>
+              </a:spcAft>
+              <a:buClrTx/>
+              <a:buSzPct val="120000"/>
+              <a:buFont typeface="Arial" panose="020B0604020202020204" pitchFamily="34" charset="0"/>
+              <a:buChar char="•"/>
+              <a:defRPr sz="1400" kern="1200">
+                <a:solidFill>
+                  <a:schemeClr val="tx1"/>
+                </a:solidFill>
+                <a:latin typeface="Arial" pitchFamily="34" charset="0"/>
+                <a:ea typeface="+mn-ea"/>
+                <a:cs typeface="+mn-cs"/>
+              </a:defRPr>
+            </a:lvl2pPr>
+            <a:lvl3pPr marL="568325" indent="-228600" algn="l" rtl="0" eaLnBrk="0" fontAlgn="base" hangingPunct="0">
+              <a:spcBef>
+                <a:spcPct val="20000"/>
+              </a:spcBef>
+              <a:spcAft>
+                <a:spcPct val="0"/>
+              </a:spcAft>
+              <a:buClrTx/>
+              <a:buSzPct val="120000"/>
+              <a:buFont typeface="Wingdings" panose="05000000000000000000" pitchFamily="2" charset="2"/>
+              <a:buChar char="Ø"/>
+              <a:defRPr sz="1400" kern="1200">
+                <a:solidFill>
+                  <a:schemeClr val="tx1"/>
+                </a:solidFill>
+                <a:latin typeface="Arial" pitchFamily="34" charset="0"/>
+                <a:ea typeface="+mn-ea"/>
+                <a:cs typeface="+mn-cs"/>
+              </a:defRPr>
+            </a:lvl3pPr>
+            <a:lvl4pPr marL="803275" indent="-228600" algn="l" rtl="0" eaLnBrk="0" fontAlgn="base" hangingPunct="0">
+              <a:spcBef>
+                <a:spcPct val="20000"/>
+              </a:spcBef>
+              <a:spcAft>
+                <a:spcPct val="0"/>
+              </a:spcAft>
+              <a:buClrTx/>
+              <a:buSzPct val="120000"/>
+              <a:buFont typeface="Arial" charset="0"/>
+              <a:buChar char="–"/>
+              <a:defRPr sz="1400" kern="1200">
+                <a:solidFill>
+                  <a:schemeClr val="tx1"/>
+                </a:solidFill>
+                <a:latin typeface="Arial" pitchFamily="34" charset="0"/>
+                <a:ea typeface="+mn-ea"/>
+                <a:cs typeface="+mn-cs"/>
+              </a:defRPr>
+            </a:lvl4pPr>
+            <a:lvl5pPr marL="1025525" indent="-228600" algn="l" rtl="0" eaLnBrk="0" fontAlgn="base" hangingPunct="0">
+              <a:spcBef>
+                <a:spcPct val="20000"/>
+              </a:spcBef>
+              <a:spcAft>
+                <a:spcPct val="0"/>
+              </a:spcAft>
+              <a:buClrTx/>
+              <a:buSzPct val="120000"/>
+              <a:buFont typeface="Arial" charset="0"/>
+              <a:buChar char="»"/>
+              <a:defRPr sz="1400" kern="1200">
+                <a:solidFill>
+                  <a:schemeClr val="tx1"/>
+                </a:solidFill>
+                <a:latin typeface="Arial" pitchFamily="34" charset="0"/>
+                <a:ea typeface="+mn-ea"/>
+                <a:cs typeface="+mn-cs"/>
+              </a:defRPr>
+            </a:lvl5pPr>
+            <a:lvl6pPr marL="2514600" indent="-228600" algn="l" defTabSz="914400" rtl="0" eaLnBrk="1" latinLnBrk="0" hangingPunct="1">
+              <a:spcBef>
+                <a:spcPct val="20000"/>
+              </a:spcBef>
+              <a:buFont typeface="Arial" pitchFamily="34" charset="0"/>
+              <a:buChar char="•"/>
+              <a:defRPr sz="2000" kern="1200">
+                <a:solidFill>
+                  <a:schemeClr val="tx1"/>
+                </a:solidFill>
+                <a:latin typeface="+mn-lt"/>
+                <a:ea typeface="+mn-ea"/>
+                <a:cs typeface="+mn-cs"/>
+              </a:defRPr>
+            </a:lvl6pPr>
+            <a:lvl7pPr marL="2971800" indent="-228600" algn="l" defTabSz="914400" rtl="0" eaLnBrk="1" latinLnBrk="0" hangingPunct="1">
+              <a:spcBef>
+                <a:spcPct val="20000"/>
+              </a:spcBef>
+              <a:buFont typeface="Arial" pitchFamily="34" charset="0"/>
+              <a:buChar char="•"/>
+              <a:defRPr sz="2000" kern="1200">
+                <a:solidFill>
+                  <a:schemeClr val="tx1"/>
+                </a:solidFill>
+                <a:latin typeface="+mn-lt"/>
+                <a:ea typeface="+mn-ea"/>
+                <a:cs typeface="+mn-cs"/>
+              </a:defRPr>
+            </a:lvl7pPr>
+            <a:lvl8pPr marL="3429000" indent="-228600" algn="l" defTabSz="914400" rtl="0" eaLnBrk="1" latinLnBrk="0" hangingPunct="1">
+              <a:spcBef>
+                <a:spcPct val="20000"/>
+              </a:spcBef>
+              <a:buFont typeface="Arial" pitchFamily="34" charset="0"/>
+              <a:buChar char="•"/>
+              <a:defRPr sz="2000" kern="1200">
+                <a:solidFill>
+                  <a:schemeClr val="tx1"/>
+                </a:solidFill>
+                <a:latin typeface="+mn-lt"/>
+                <a:ea typeface="+mn-ea"/>
+                <a:cs typeface="+mn-cs"/>
+              </a:defRPr>
+            </a:lvl8pPr>
+            <a:lvl9pPr marL="3886200" indent="-228600" algn="l" defTabSz="914400" rtl="0" eaLnBrk="1" latinLnBrk="0" hangingPunct="1">
+              <a:spcBef>
+                <a:spcPct val="20000"/>
+              </a:spcBef>
+              <a:buFont typeface="Arial" pitchFamily="34" charset="0"/>
+              <a:buChar char="•"/>
+              <a:defRPr sz="2000" kern="1200">
+                <a:solidFill>
+                  <a:schemeClr val="tx1"/>
+                </a:solidFill>
+                <a:latin typeface="+mn-lt"/>
+                <a:ea typeface="+mn-ea"/>
+                <a:cs typeface="+mn-cs"/>
+              </a:defRPr>
+            </a:lvl9pPr>
+          </a:lstStyle>
+          <a:p>
+            <a:r>
+              <a:rPr lang="en-GB" dirty="0"/>
+              <a:t>Overview</a:t>
+            </a:r>
+          </a:p>
+        </p:txBody>
+      </p:sp>
+      <p:graphicFrame>
+        <p:nvGraphicFramePr>
+          <p:cNvPr id="17" name="Table 16">
+            <a:extLst>
+              <a:ext uri="{FF2B5EF4-FFF2-40B4-BE49-F238E27FC236}">
+                <a16:creationId xmlns:a16="http://schemas.microsoft.com/office/drawing/2014/main" id="{7971C05F-B782-9C44-9D91-AEE0F675DB30}"/>
+              </a:ext>
+            </a:extLst>
+          </p:cNvPr>
+          <p:cNvGraphicFramePr>
+            <a:graphicFrameLocks noGrp="1"/>
+          </p:cNvGraphicFramePr>
+          <p:nvPr>
+            <p:extLst>
+              <p:ext uri="{D42A27DB-BD31-4B8C-83A1-F6EECF244321}">
+                <p14:modId xmlns:p14="http://schemas.microsoft.com/office/powerpoint/2010/main" val="3823005807"/>
+              </p:ext>
+            </p:extLst>
+          </p:nvPr>
+        </p:nvGraphicFramePr>
+        <p:xfrm>
+          <a:off x="381000" y="2503030"/>
+          <a:ext cx="2069897" cy="2145168"/>
+        </p:xfrm>
+        <a:graphic>
+          <a:graphicData uri="http://schemas.openxmlformats.org/drawingml/2006/table">
+            <a:tbl>
+              <a:tblPr bandRow="1">
+                <a:tableStyleId>{5C22544A-7EE6-4342-B048-85BDC9FD1C3A}</a:tableStyleId>
+              </a:tblPr>
+              <a:tblGrid>
+                <a:gridCol w="1003097">
+                  <a:extLst>
+                    <a:ext uri="{9D8B030D-6E8A-4147-A177-3AD203B41FA5}">
+                      <a16:colId xmlns:a16="http://schemas.microsoft.com/office/drawing/2014/main" val="2546800475"/>
+                    </a:ext>
+                  </a:extLst>
+                </a:gridCol>
+                <a:gridCol w="1066800">
+                  <a:extLst>
+                    <a:ext uri="{9D8B030D-6E8A-4147-A177-3AD203B41FA5}">
+                      <a16:colId xmlns:a16="http://schemas.microsoft.com/office/drawing/2014/main" val="1013369479"/>
+                    </a:ext>
+                  </a:extLst>
+                </a:gridCol>
+              </a:tblGrid>
+              <a:tr h="268146">
+                <a:tc>
+                  <a:txBody>
+                    <a:bodyPr/>
+                    <a:lstStyle/>
+                    <a:p>
+                      <a:endParaRPr lang="en-US" sz="1000" dirty="0"/>
+                    </a:p>
+                  </a:txBody>
+                  <a:tcPr marL="26486" marR="26486" marT="19389" marB="19389"/>
+                </a:tc>
+                <a:tc>
+                  <a:txBody>
+                    <a:bodyPr/>
+                    <a:lstStyle/>
+                    <a:p>
+                      <a:endParaRPr lang="en-US" sz="1000" dirty="0"/>
+                    </a:p>
+                  </a:txBody>
+                  <a:tcPr marL="26486" marR="26486" marT="19389" marB="19389"/>
+                </a:tc>
+                <a:extLst>
+                  <a:ext uri="{0D108BD9-81ED-4DB2-BD59-A6C34878D82A}">
+                    <a16:rowId xmlns:a16="http://schemas.microsoft.com/office/drawing/2014/main" val="598599237"/>
+                  </a:ext>
+                </a:extLst>
+              </a:tr>
+              <a:tr h="268146">
+                <a:tc>
+                  <a:txBody>
+                    <a:bodyPr/>
+                    <a:lstStyle/>
+                    <a:p>
+                      <a:endParaRPr lang="en-US" sz="1000" dirty="0"/>
+                    </a:p>
+                  </a:txBody>
+                  <a:tcPr marL="26486" marR="26486" marT="19389" marB="19389"/>
+                </a:tc>
+                <a:tc>
+                  <a:txBody>
+                    <a:bodyPr/>
+                    <a:lstStyle/>
+                    <a:p>
+                      <a:endParaRPr lang="en-US" sz="1000" dirty="0"/>
+                    </a:p>
+                  </a:txBody>
+                  <a:tcPr marL="26486" marR="26486" marT="19389" marB="19389"/>
+                </a:tc>
+                <a:extLst>
+                  <a:ext uri="{0D108BD9-81ED-4DB2-BD59-A6C34878D82A}">
+                    <a16:rowId xmlns:a16="http://schemas.microsoft.com/office/drawing/2014/main" val="3723404231"/>
+                  </a:ext>
+                </a:extLst>
+              </a:tr>
+              <a:tr h="268146">
+                <a:tc>
+                  <a:txBody>
+                    <a:bodyPr/>
+                    <a:lstStyle/>
+                    <a:p>
+                      <a:endParaRPr lang="en-US" sz="1000" dirty="0"/>
+                    </a:p>
+                  </a:txBody>
+                  <a:tcPr marL="26486" marR="26486" marT="19389" marB="19389"/>
+                </a:tc>
+                <a:tc>
+                  <a:txBody>
+                    <a:bodyPr/>
+                    <a:lstStyle/>
+                    <a:p>
+                      <a:endParaRPr lang="en-US" sz="1000" dirty="0"/>
+                    </a:p>
+                  </a:txBody>
+                  <a:tcPr marL="26486" marR="26486" marT="19389" marB="19389"/>
+                </a:tc>
+                <a:extLst>
+                  <a:ext uri="{0D108BD9-81ED-4DB2-BD59-A6C34878D82A}">
+                    <a16:rowId xmlns:a16="http://schemas.microsoft.com/office/drawing/2014/main" val="2790578697"/>
+                  </a:ext>
+                </a:extLst>
+              </a:tr>
+              <a:tr h="268146">
+                <a:tc>
+                  <a:txBody>
+                    <a:bodyPr/>
+                    <a:lstStyle/>
+                    <a:p>
+                      <a:endParaRPr lang="en-US" sz="1000" dirty="0"/>
+                    </a:p>
+                  </a:txBody>
+                  <a:tcPr marL="26486" marR="26486" marT="19389" marB="19389"/>
+                </a:tc>
+                <a:tc>
+                  <a:txBody>
+                    <a:bodyPr/>
+                    <a:lstStyle/>
+                    <a:p>
+                      <a:endParaRPr lang="en-US" sz="1000"/>
+                    </a:p>
+                  </a:txBody>
+                  <a:tcPr marL="26486" marR="26486" marT="19389" marB="19389"/>
+                </a:tc>
+                <a:extLst>
+                  <a:ext uri="{0D108BD9-81ED-4DB2-BD59-A6C34878D82A}">
+                    <a16:rowId xmlns:a16="http://schemas.microsoft.com/office/drawing/2014/main" val="1390230903"/>
+                  </a:ext>
+                </a:extLst>
+              </a:tr>
+              <a:tr h="268146">
+                <a:tc>
+                  <a:txBody>
+                    <a:bodyPr/>
+                    <a:lstStyle/>
+                    <a:p>
+                      <a:endParaRPr lang="en-US" sz="1000" dirty="0"/>
+                    </a:p>
+                  </a:txBody>
+                  <a:tcPr marL="26486" marR="26486" marT="19389" marB="19389"/>
+                </a:tc>
+                <a:tc>
+                  <a:txBody>
+                    <a:bodyPr/>
+                    <a:lstStyle/>
+                    <a:p>
+                      <a:endParaRPr lang="en-US" sz="1000" dirty="0"/>
+                    </a:p>
+                  </a:txBody>
+                  <a:tcPr marL="26486" marR="26486" marT="19389" marB="19389"/>
+                </a:tc>
+                <a:extLst>
+                  <a:ext uri="{0D108BD9-81ED-4DB2-BD59-A6C34878D82A}">
+                    <a16:rowId xmlns:a16="http://schemas.microsoft.com/office/drawing/2014/main" val="4107165253"/>
+                  </a:ext>
+                </a:extLst>
+              </a:tr>
+              <a:tr h="268146">
+                <a:tc>
+                  <a:txBody>
+                    <a:bodyPr/>
+                    <a:lstStyle/>
+                    <a:p>
+                      <a:endParaRPr lang="en-US" sz="1000" dirty="0"/>
+                    </a:p>
+                  </a:txBody>
+                  <a:tcPr marL="26486" marR="26486" marT="19389" marB="19389"/>
+                </a:tc>
+                <a:tc>
+                  <a:txBody>
+                    <a:bodyPr/>
+                    <a:lstStyle/>
+                    <a:p>
+                      <a:endParaRPr lang="en-US" sz="1000" dirty="0"/>
+                    </a:p>
+                  </a:txBody>
+                  <a:tcPr marL="26486" marR="26486" marT="19389" marB="19389"/>
+                </a:tc>
+                <a:extLst>
+                  <a:ext uri="{0D108BD9-81ED-4DB2-BD59-A6C34878D82A}">
+                    <a16:rowId xmlns:a16="http://schemas.microsoft.com/office/drawing/2014/main" val="2213006554"/>
+                  </a:ext>
+                </a:extLst>
+              </a:tr>
+              <a:tr h="268146">
+                <a:tc>
+                  <a:txBody>
+                    <a:bodyPr/>
+                    <a:lstStyle/>
+                    <a:p>
+                      <a:endParaRPr lang="en-US" sz="1000" dirty="0"/>
+                    </a:p>
+                  </a:txBody>
+                  <a:tcPr marL="26486" marR="26486" marT="19389" marB="19389"/>
+                </a:tc>
+                <a:tc>
+                  <a:txBody>
+                    <a:bodyPr/>
+                    <a:lstStyle/>
+                    <a:p>
+                      <a:endParaRPr lang="en-US" sz="1000" dirty="0">
+                        <a:latin typeface="Arial" panose="020B0604020202020204" pitchFamily="34" charset="0"/>
+                        <a:cs typeface="Arial" panose="020B0604020202020204" pitchFamily="34" charset="0"/>
+                      </a:endParaRPr>
+                    </a:p>
+                  </a:txBody>
+                  <a:tcPr marL="26486" marR="26486" marT="19389" marB="19389"/>
+                </a:tc>
+                <a:extLst>
+                  <a:ext uri="{0D108BD9-81ED-4DB2-BD59-A6C34878D82A}">
+                    <a16:rowId xmlns:a16="http://schemas.microsoft.com/office/drawing/2014/main" val="1754630231"/>
+                  </a:ext>
+                </a:extLst>
+              </a:tr>
+              <a:tr h="268146">
+                <a:tc>
+                  <a:txBody>
+                    <a:bodyPr/>
+                    <a:lstStyle/>
+                    <a:p>
+                      <a:endParaRPr lang="en-US" sz="1000" dirty="0"/>
+                    </a:p>
+                  </a:txBody>
+                  <a:tcPr marL="26486" marR="26486" marT="19389" marB="19389"/>
+                </a:tc>
+                <a:tc>
+                  <a:txBody>
+                    <a:bodyPr/>
+                    <a:lstStyle/>
+                    <a:p>
+                      <a:endParaRPr lang="en-US" sz="1000" dirty="0"/>
+                    </a:p>
+                  </a:txBody>
+                  <a:tcPr marL="26486" marR="26486" marT="19389" marB="19389"/>
+                </a:tc>
+                <a:extLst>
+                  <a:ext uri="{0D108BD9-81ED-4DB2-BD59-A6C34878D82A}">
+                    <a16:rowId xmlns:a16="http://schemas.microsoft.com/office/drawing/2014/main" val="608910392"/>
+                  </a:ext>
+                </a:extLst>
+              </a:tr>
+            </a:tbl>
+          </a:graphicData>
+        </a:graphic>
+      </p:graphicFrame>
+      <p:sp>
+        <p:nvSpPr>
+          <p:cNvPr id="9" name="Rectangle 8">
+            <a:extLst>
+              <a:ext uri="{FF2B5EF4-FFF2-40B4-BE49-F238E27FC236}">
+                <a16:creationId xmlns:a16="http://schemas.microsoft.com/office/drawing/2014/main" id="{F18E1EB2-2BAA-0D41-A43D-8580228D207E}"/>
+              </a:ext>
+            </a:extLst>
+          </p:cNvPr>
+          <p:cNvSpPr/>
+          <p:nvPr/>
+        </p:nvSpPr>
+        <p:spPr>
+          <a:xfrm>
+            <a:off x="2590800" y="6567587"/>
+            <a:ext cx="2057400" cy="153888"/>
+          </a:xfrm>
+          <a:prstGeom prst="rect">
+            <a:avLst/>
+          </a:prstGeom>
+          <a:ln>
+            <a:noFill/>
+          </a:ln>
+        </p:spPr>
+        <p:style>
+          <a:lnRef idx="2">
+            <a:schemeClr val="dk1"/>
+          </a:lnRef>
+          <a:fillRef idx="1">
+            <a:schemeClr val="lt1"/>
+          </a:fillRef>
+          <a:effectRef idx="0">
+            <a:schemeClr val="dk1"/>
+          </a:effectRef>
+          <a:fontRef idx="minor">
+            <a:schemeClr val="dk1"/>
+          </a:fontRef>
+        </p:style>
+        <p:txBody>
+          <a:bodyPr rtlCol="0" anchor="ctr"/>
+          <a:lstStyle/>
+          <a:p>
+            <a:pPr marL="173038" indent="-173038" algn="ctr">
+              <a:buFont typeface="Wingdings" panose="05000000000000000000" pitchFamily="2" charset="2"/>
+              <a:buChar char="§"/>
+            </a:pPr>
+            <a:endParaRPr lang="en-US" sz="1200" dirty="0">
+              <a:noFill/>
+              <a:latin typeface="Arial" panose="020B0604020202020204" pitchFamily="34" charset="0"/>
+              <a:cs typeface="Arial" panose="020B0604020202020204" pitchFamily="34" charset="0"/>
+            </a:endParaRPr>
+          </a:p>
+        </p:txBody>
+      </p:sp>
+      <p:sp>
+        <p:nvSpPr>
+          <p:cNvPr id="19" name="Text Placeholder 5">
+            <a:extLst>
+              <a:ext uri="{FF2B5EF4-FFF2-40B4-BE49-F238E27FC236}">
+                <a16:creationId xmlns:a16="http://schemas.microsoft.com/office/drawing/2014/main" id="{1E8FB85B-0922-BB4F-9B7D-A6645E7F3E20}"/>
+              </a:ext>
+            </a:extLst>
+          </p:cNvPr>
+          <p:cNvSpPr txBox="1">
+            <a:spLocks/>
+          </p:cNvSpPr>
+          <p:nvPr/>
+        </p:nvSpPr>
+        <p:spPr bwMode="auto">
+          <a:xfrm>
+            <a:off x="393497" y="2214441"/>
+            <a:ext cx="2057400" cy="248400"/>
+          </a:xfrm>
+          <a:prstGeom prst="rect">
+            <a:avLst/>
+          </a:prstGeom>
+          <a:solidFill>
+            <a:srgbClr val="113D63"/>
+          </a:solidFill>
+          <a:ln w="9525">
+            <a:noFill/>
+            <a:miter lim="800000"/>
+            <a:headEnd/>
+            <a:tailEnd/>
+          </a:ln>
+        </p:spPr>
+        <p:txBody>
+          <a:bodyPr vert="horz" wrap="square" lIns="0" tIns="45720" rIns="0" bIns="45720" numCol="1" anchor="ctr" anchorCtr="0" compatLnSpc="1">
+            <a:prstTxWarp prst="textNoShape">
+              <a:avLst/>
+            </a:prstTxWarp>
+            <a:spAutoFit/>
+          </a:bodyPr>
+          <a:lstStyle>
+            <a:lvl1pPr marL="0" indent="0" algn="ctr" rtl="0" eaLnBrk="0" fontAlgn="base" hangingPunct="0">
+              <a:spcBef>
+                <a:spcPct val="20000"/>
+              </a:spcBef>
+              <a:spcAft>
+                <a:spcPct val="0"/>
+              </a:spcAft>
+              <a:buClrTx/>
+              <a:buSzPct val="120000"/>
+              <a:buFont typeface="Wingdings" panose="05000000000000000000" pitchFamily="2" charset="2"/>
+              <a:buNone/>
+              <a:tabLst/>
+              <a:defRPr sz="1200" kern="1200" baseline="0">
+                <a:solidFill>
+                  <a:schemeClr val="bg1"/>
+                </a:solidFill>
+                <a:latin typeface="Arial" pitchFamily="34" charset="0"/>
+                <a:ea typeface="+mn-ea"/>
+                <a:cs typeface="+mn-cs"/>
+              </a:defRPr>
+            </a:lvl1pPr>
+            <a:lvl2pPr marL="346075" indent="-173038" algn="l" rtl="0" eaLnBrk="0" fontAlgn="base" hangingPunct="0">
+              <a:spcBef>
+                <a:spcPct val="20000"/>
+              </a:spcBef>
+              <a:spcAft>
+                <a:spcPct val="0"/>
+              </a:spcAft>
+              <a:buClrTx/>
+              <a:buSzPct val="120000"/>
+              <a:buFont typeface="Arial" panose="020B0604020202020204" pitchFamily="34" charset="0"/>
+              <a:buChar char="•"/>
+              <a:defRPr sz="1400" kern="1200">
+                <a:solidFill>
+                  <a:schemeClr val="tx1"/>
+                </a:solidFill>
+                <a:latin typeface="Arial" pitchFamily="34" charset="0"/>
+                <a:ea typeface="+mn-ea"/>
+                <a:cs typeface="+mn-cs"/>
+              </a:defRPr>
+            </a:lvl2pPr>
+            <a:lvl3pPr marL="568325" indent="-228600" algn="l" rtl="0" eaLnBrk="0" fontAlgn="base" hangingPunct="0">
+              <a:spcBef>
+                <a:spcPct val="20000"/>
+              </a:spcBef>
+              <a:spcAft>
+                <a:spcPct val="0"/>
+              </a:spcAft>
+              <a:buClrTx/>
+              <a:buSzPct val="120000"/>
+              <a:buFont typeface="Wingdings" panose="05000000000000000000" pitchFamily="2" charset="2"/>
+              <a:buChar char="Ø"/>
+              <a:defRPr sz="1400" kern="1200">
+                <a:solidFill>
+                  <a:schemeClr val="tx1"/>
+                </a:solidFill>
+                <a:latin typeface="Arial" pitchFamily="34" charset="0"/>
+                <a:ea typeface="+mn-ea"/>
+                <a:cs typeface="+mn-cs"/>
+              </a:defRPr>
+            </a:lvl3pPr>
+            <a:lvl4pPr marL="803275" indent="-228600" algn="l" rtl="0" eaLnBrk="0" fontAlgn="base" hangingPunct="0">
+              <a:spcBef>
+                <a:spcPct val="20000"/>
+              </a:spcBef>
+              <a:spcAft>
+                <a:spcPct val="0"/>
+              </a:spcAft>
+              <a:buClrTx/>
+              <a:buSzPct val="120000"/>
+              <a:buFont typeface="Arial" charset="0"/>
+              <a:buChar char="–"/>
+              <a:defRPr sz="1400" kern="1200">
+                <a:solidFill>
+                  <a:schemeClr val="tx1"/>
+                </a:solidFill>
+                <a:latin typeface="Arial" pitchFamily="34" charset="0"/>
+                <a:ea typeface="+mn-ea"/>
+                <a:cs typeface="+mn-cs"/>
+              </a:defRPr>
+            </a:lvl4pPr>
+            <a:lvl5pPr marL="1025525" indent="-228600" algn="l" rtl="0" eaLnBrk="0" fontAlgn="base" hangingPunct="0">
+              <a:spcBef>
+                <a:spcPct val="20000"/>
+              </a:spcBef>
+              <a:spcAft>
+                <a:spcPct val="0"/>
+              </a:spcAft>
+              <a:buClrTx/>
+              <a:buSzPct val="120000"/>
+              <a:buFont typeface="Arial" charset="0"/>
+              <a:buChar char="»"/>
+              <a:defRPr sz="1400" kern="1200">
+                <a:solidFill>
+                  <a:schemeClr val="tx1"/>
+                </a:solidFill>
+                <a:latin typeface="Arial" pitchFamily="34" charset="0"/>
+                <a:ea typeface="+mn-ea"/>
+                <a:cs typeface="+mn-cs"/>
+              </a:defRPr>
+            </a:lvl5pPr>
+            <a:lvl6pPr marL="2514600" indent="-228600" algn="l" defTabSz="914400" rtl="0" eaLnBrk="1" latinLnBrk="0" hangingPunct="1">
+              <a:spcBef>
+                <a:spcPct val="20000"/>
+              </a:spcBef>
+              <a:buFont typeface="Arial" pitchFamily="34" charset="0"/>
+              <a:buChar char="•"/>
+              <a:defRPr sz="2000" kern="1200">
+                <a:solidFill>
+                  <a:schemeClr val="tx1"/>
+                </a:solidFill>
+                <a:latin typeface="+mn-lt"/>
+                <a:ea typeface="+mn-ea"/>
+                <a:cs typeface="+mn-cs"/>
+              </a:defRPr>
+            </a:lvl6pPr>
+            <a:lvl7pPr marL="2971800" indent="-228600" algn="l" defTabSz="914400" rtl="0" eaLnBrk="1" latinLnBrk="0" hangingPunct="1">
+              <a:spcBef>
+                <a:spcPct val="20000"/>
+              </a:spcBef>
+              <a:buFont typeface="Arial" pitchFamily="34" charset="0"/>
+              <a:buChar char="•"/>
+              <a:defRPr sz="2000" kern="1200">
+                <a:solidFill>
+                  <a:schemeClr val="tx1"/>
+                </a:solidFill>
+                <a:latin typeface="+mn-lt"/>
+                <a:ea typeface="+mn-ea"/>
+                <a:cs typeface="+mn-cs"/>
+              </a:defRPr>
+            </a:lvl7pPr>
+            <a:lvl8pPr marL="3429000" indent="-228600" algn="l" defTabSz="914400" rtl="0" eaLnBrk="1" latinLnBrk="0" hangingPunct="1">
+              <a:spcBef>
+                <a:spcPct val="20000"/>
+              </a:spcBef>
+              <a:buFont typeface="Arial" pitchFamily="34" charset="0"/>
+              <a:buChar char="•"/>
+              <a:defRPr sz="2000" kern="1200">
+                <a:solidFill>
+                  <a:schemeClr val="tx1"/>
+                </a:solidFill>
+                <a:latin typeface="+mn-lt"/>
+                <a:ea typeface="+mn-ea"/>
+                <a:cs typeface="+mn-cs"/>
+              </a:defRPr>
+            </a:lvl8pPr>
+            <a:lvl9pPr marL="3886200" indent="-228600" algn="l" defTabSz="914400" rtl="0" eaLnBrk="1" latinLnBrk="0" hangingPunct="1">
+              <a:spcBef>
+                <a:spcPct val="20000"/>
+              </a:spcBef>
+              <a:buFont typeface="Arial" pitchFamily="34" charset="0"/>
+              <a:buChar char="•"/>
+              <a:defRPr sz="2000" kern="1200">
+                <a:solidFill>
+                  <a:schemeClr val="tx1"/>
+                </a:solidFill>
+                <a:latin typeface="+mn-lt"/>
+                <a:ea typeface="+mn-ea"/>
+                <a:cs typeface="+mn-cs"/>
+              </a:defRPr>
+            </a:lvl9pPr>
+          </a:lstStyle>
+          <a:p>
+            <a:r>
+              <a:rPr lang="en-GB" dirty="0"/>
+              <a:t>Key Shareholders</a:t>
+            </a:r>
           </a:p>
         </p:txBody>
       </p:sp>
